--- a/THE_BRIDGE_DS_BC/3-Machine_Learning/1-Supervisado/1-Regression/3-Regularization/ML_Regularización.pptx
+++ b/THE_BRIDGE_DS_BC/3-Machine_Learning/1-Supervisado/1-Regression/3-Regularization/ML_Regularización.pptx
@@ -5,17 +5,18 @@
     <p:sldMasterId id="2147483648" r:id="rId1"/>
   </p:sldMasterIdLst>
   <p:notesMasterIdLst>
-    <p:notesMasterId r:id="rId10"/>
+    <p:notesMasterId r:id="rId11"/>
   </p:notesMasterIdLst>
   <p:sldIdLst>
     <p:sldId id="256" r:id="rId2"/>
-    <p:sldId id="261" r:id="rId3"/>
-    <p:sldId id="257" r:id="rId4"/>
-    <p:sldId id="258" r:id="rId5"/>
-    <p:sldId id="262" r:id="rId6"/>
-    <p:sldId id="259" r:id="rId7"/>
-    <p:sldId id="260" r:id="rId8"/>
-    <p:sldId id="263" r:id="rId9"/>
+    <p:sldId id="264" r:id="rId3"/>
+    <p:sldId id="261" r:id="rId4"/>
+    <p:sldId id="257" r:id="rId5"/>
+    <p:sldId id="258" r:id="rId6"/>
+    <p:sldId id="262" r:id="rId7"/>
+    <p:sldId id="259" r:id="rId8"/>
+    <p:sldId id="260" r:id="rId9"/>
+    <p:sldId id="263" r:id="rId10"/>
   </p:sldIdLst>
   <p:sldSz cx="12192000" cy="6858000"/>
   <p:notesSz cx="6858000" cy="9144000"/>
@@ -249,8 +250,11 @@
     </a:lvl9pPr>
   </p:defaultTextStyle>
   <p:extLst>
+    <p:ext uri="{EFAFB233-063F-42B5-8137-9DF3F51BA10A}">
+      <p15:sldGuideLst xmlns:p15="http://schemas.microsoft.com/office/powerpoint/2012/main"/>
+    </p:ext>
     <p:ext uri="http://customooxmlschemas.google.com/">
-      <go:slidesCustomData xmlns:go="http://customooxmlschemas.google.com/" xmlns:ahyp="http://schemas.microsoft.com/office/drawing/2018/hyperlinkcolor" xmlns:p15="http://schemas.microsoft.com/office/powerpoint/2012/main" xmlns:p14="http://schemas.microsoft.com/office/powerpoint/2010/main" xmlns:com="http://schemas.openxmlformats.org/drawingml/2006/compatibility" xmlns:pvml="urn:schemas-microsoft-com:office:powerpoint" xmlns:v="urn:schemas-microsoft-com:vml" xmlns:o="urn:schemas-microsoft-com:office:office" xmlns:dgm="http://schemas.openxmlformats.org/drawingml/2006/diagram" xmlns:c="http://schemas.openxmlformats.org/drawingml/2006/chart" xmlns:mv="urn:schemas-microsoft-com:mac:vml" xmlns:mc="http://schemas.openxmlformats.org/markup-compatibility/2006" xmlns="" r:id="rId11" roundtripDataSignature="AMtx7mhfTaorGXcFkqvL3c61bZtaer9kUw=="/>
+      <go:slidesCustomData xmlns="" xmlns:mc="http://schemas.openxmlformats.org/markup-compatibility/2006" xmlns:mv="urn:schemas-microsoft-com:mac:vml" xmlns:c="http://schemas.openxmlformats.org/drawingml/2006/chart" xmlns:dgm="http://schemas.openxmlformats.org/drawingml/2006/diagram" xmlns:o="urn:schemas-microsoft-com:office:office" xmlns:v="urn:schemas-microsoft-com:vml" xmlns:pvml="urn:schemas-microsoft-com:office:powerpoint" xmlns:com="http://schemas.openxmlformats.org/drawingml/2006/compatibility" xmlns:p14="http://schemas.microsoft.com/office/powerpoint/2010/main" xmlns:p15="http://schemas.microsoft.com/office/powerpoint/2012/main" xmlns:ahyp="http://schemas.microsoft.com/office/drawing/2018/hyperlinkcolor" xmlns:go="http://customooxmlschemas.google.com/" r:id="rId12" roundtripDataSignature="AMtx7mhfTaorGXcFkqvL3c61bZtaer9kUw=="/>
     </p:ext>
   </p:extLst>
 </p:presentation>
@@ -2069,6 +2073,198 @@
     </p:spTree>
     <p:extLst>
       <p:ext uri="{BB962C8B-B14F-4D97-AF65-F5344CB8AC3E}">
+        <p14:creationId xmlns:p14="http://schemas.microsoft.com/office/powerpoint/2010/main" val="1692889970"/>
+      </p:ext>
+    </p:extLst>
+  </p:cSld>
+  <p:clrMapOvr>
+    <a:masterClrMapping/>
+  </p:clrMapOvr>
+</p:notes>
+</file>
+
+<file path=ppt/notesSlides/notesSlide3.xml><?xml version="1.0" encoding="utf-8"?>
+<p:notes xmlns:a="http://schemas.openxmlformats.org/drawingml/2006/main" xmlns:r="http://schemas.openxmlformats.org/officeDocument/2006/relationships" xmlns:p="http://schemas.openxmlformats.org/presentationml/2006/main" showMasterSp="0" showMasterPhAnim="0">
+  <p:cSld>
+    <p:spTree>
+      <p:nvGrpSpPr>
+        <p:cNvPr id="1" name="Shape 64"/>
+        <p:cNvGrpSpPr/>
+        <p:nvPr/>
+      </p:nvGrpSpPr>
+      <p:grpSpPr>
+        <a:xfrm>
+          <a:off x="0" y="0"/>
+          <a:ext cx="0" cy="0"/>
+          <a:chOff x="0" y="0"/>
+          <a:chExt cx="0" cy="0"/>
+        </a:xfrm>
+      </p:grpSpPr>
+      <p:sp>
+        <p:nvSpPr>
+          <p:cNvPr id="65" name="Google Shape;65;p1:notes"/>
+          <p:cNvSpPr>
+            <a:spLocks noGrp="1" noRot="1" noChangeAspect="1"/>
+          </p:cNvSpPr>
+          <p:nvPr>
+            <p:ph type="sldImg" idx="2"/>
+          </p:nvPr>
+        </p:nvSpPr>
+        <p:spPr>
+          <a:xfrm>
+            <a:off x="685800" y="1143000"/>
+            <a:ext cx="5486400" cy="3086100"/>
+          </a:xfrm>
+          <a:custGeom>
+            <a:avLst/>
+            <a:gdLst/>
+            <a:ahLst/>
+            <a:cxnLst/>
+            <a:rect l="l" t="t" r="r" b="b"/>
+            <a:pathLst>
+              <a:path w="120000" h="120000" extrusionOk="0">
+                <a:moveTo>
+                  <a:pt x="0" y="0"/>
+                </a:moveTo>
+                <a:lnTo>
+                  <a:pt x="120000" y="0"/>
+                </a:lnTo>
+                <a:lnTo>
+                  <a:pt x="120000" y="120000"/>
+                </a:lnTo>
+                <a:lnTo>
+                  <a:pt x="0" y="120000"/>
+                </a:lnTo>
+                <a:close/>
+              </a:path>
+            </a:pathLst>
+          </a:custGeom>
+          <a:noFill/>
+          <a:ln>
+            <a:noFill/>
+          </a:ln>
+        </p:spPr>
+      </p:sp>
+      <p:sp>
+        <p:nvSpPr>
+          <p:cNvPr id="66" name="Google Shape;66;p1:notes"/>
+          <p:cNvSpPr txBox="1">
+            <a:spLocks noGrp="1"/>
+          </p:cNvSpPr>
+          <p:nvPr>
+            <p:ph type="body" idx="1"/>
+          </p:nvPr>
+        </p:nvSpPr>
+        <p:spPr>
+          <a:xfrm>
+            <a:off x="685800" y="4400640"/>
+            <a:ext cx="5486040" cy="3600000"/>
+          </a:xfrm>
+          <a:prstGeom prst="rect">
+            <a:avLst/>
+          </a:prstGeom>
+          <a:noFill/>
+          <a:ln>
+            <a:noFill/>
+          </a:ln>
+        </p:spPr>
+        <p:txBody>
+          <a:bodyPr spcFirstLastPara="1" wrap="square" lIns="0" tIns="0" rIns="0" bIns="0" anchor="t" anchorCtr="0">
+            <a:noAutofit/>
+          </a:bodyPr>
+          <a:lstStyle/>
+          <a:p>
+            <a:pPr marL="0" lvl="0" indent="0" algn="l" rtl="0">
+              <a:lnSpc>
+                <a:spcPct val="100000"/>
+              </a:lnSpc>
+              <a:spcBef>
+                <a:spcPts val="0"/>
+              </a:spcBef>
+              <a:spcAft>
+                <a:spcPts val="0"/>
+              </a:spcAft>
+              <a:buSzPts val="1400"/>
+              <a:buNone/>
+            </a:pPr>
+            <a:endParaRPr sz="2000" b="0" strike="noStrike">
+              <a:latin typeface="Arial"/>
+              <a:ea typeface="Arial"/>
+              <a:cs typeface="Arial"/>
+              <a:sym typeface="Arial"/>
+            </a:endParaRPr>
+          </a:p>
+        </p:txBody>
+      </p:sp>
+      <p:sp>
+        <p:nvSpPr>
+          <p:cNvPr id="67" name="Google Shape;67;p1:notes"/>
+          <p:cNvSpPr txBox="1"/>
+          <p:nvPr/>
+        </p:nvSpPr>
+        <p:spPr>
+          <a:xfrm>
+            <a:off x="3884760" y="8685360"/>
+            <a:ext cx="2971440" cy="458280"/>
+          </a:xfrm>
+          <a:prstGeom prst="rect">
+            <a:avLst/>
+          </a:prstGeom>
+          <a:noFill/>
+          <a:ln>
+            <a:noFill/>
+          </a:ln>
+        </p:spPr>
+        <p:txBody>
+          <a:bodyPr spcFirstLastPara="1" wrap="square" lIns="91425" tIns="45700" rIns="91425" bIns="45700" anchor="b" anchorCtr="0">
+            <a:noAutofit/>
+          </a:bodyPr>
+          <a:lstStyle/>
+          <a:p>
+            <a:pPr marL="0" marR="0" lvl="0" indent="0" algn="r" rtl="0">
+              <a:lnSpc>
+                <a:spcPct val="100000"/>
+              </a:lnSpc>
+              <a:spcBef>
+                <a:spcPts val="0"/>
+              </a:spcBef>
+              <a:spcAft>
+                <a:spcPts val="0"/>
+              </a:spcAft>
+              <a:buClr>
+                <a:srgbClr val="000000"/>
+              </a:buClr>
+              <a:buSzPts val="1200"/>
+              <a:buFont typeface="Arial"/>
+              <a:buNone/>
+            </a:pPr>
+            <a:fld id="{00000000-1234-1234-1234-123412341234}" type="slidenum">
+              <a:rPr lang="es-ES" sz="1200" b="0" i="0" u="none" strike="noStrike" cap="none">
+                <a:solidFill>
+                  <a:srgbClr val="000000"/>
+                </a:solidFill>
+                <a:latin typeface="Times New Roman"/>
+                <a:ea typeface="Times New Roman"/>
+                <a:cs typeface="Times New Roman"/>
+                <a:sym typeface="Times New Roman"/>
+              </a:rPr>
+              <a:t>3</a:t>
+            </a:fld>
+            <a:endParaRPr sz="1200" b="0" i="0" u="none" strike="noStrike" cap="none">
+              <a:solidFill>
+                <a:srgbClr val="000000"/>
+              </a:solidFill>
+              <a:latin typeface="Times New Roman"/>
+              <a:ea typeface="Times New Roman"/>
+              <a:cs typeface="Times New Roman"/>
+              <a:sym typeface="Times New Roman"/>
+            </a:endParaRPr>
+          </a:p>
+        </p:txBody>
+      </p:sp>
+    </p:spTree>
+    <p:extLst>
+      <p:ext uri="{BB962C8B-B14F-4D97-AF65-F5344CB8AC3E}">
         <p14:creationId xmlns:p14="http://schemas.microsoft.com/office/powerpoint/2010/main" val="1592394024"/>
       </p:ext>
     </p:extLst>
@@ -2079,7 +2275,7 @@
 </p:notes>
 </file>
 
-<file path=ppt/notesSlides/notesSlide3.xml><?xml version="1.0" encoding="utf-8"?>
+<file path=ppt/notesSlides/notesSlide4.xml><?xml version="1.0" encoding="utf-8"?>
 <p:notes xmlns:a="http://schemas.openxmlformats.org/drawingml/2006/main" xmlns:r="http://schemas.openxmlformats.org/officeDocument/2006/relationships" xmlns:p="http://schemas.openxmlformats.org/presentationml/2006/main" showMasterSp="0" showMasterPhAnim="0">
   <p:cSld>
     <p:spTree>
@@ -2202,193 +2398,6 @@
           <a:xfrm>
             <a:off x="3884760" y="8685360"/>
             <a:ext cx="2971440" cy="458280"/>
-          </a:xfrm>
-          <a:prstGeom prst="rect">
-            <a:avLst/>
-          </a:prstGeom>
-          <a:noFill/>
-          <a:ln>
-            <a:noFill/>
-          </a:ln>
-        </p:spPr>
-        <p:txBody>
-          <a:bodyPr spcFirstLastPara="1" wrap="square" lIns="91425" tIns="45700" rIns="91425" bIns="45700" anchor="b" anchorCtr="0">
-            <a:noAutofit/>
-          </a:bodyPr>
-          <a:lstStyle/>
-          <a:p>
-            <a:pPr marL="0" marR="0" lvl="0" indent="0" algn="r" rtl="0">
-              <a:lnSpc>
-                <a:spcPct val="100000"/>
-              </a:lnSpc>
-              <a:spcBef>
-                <a:spcPts val="0"/>
-              </a:spcBef>
-              <a:spcAft>
-                <a:spcPts val="0"/>
-              </a:spcAft>
-              <a:buClr>
-                <a:srgbClr val="000000"/>
-              </a:buClr>
-              <a:buSzPts val="1200"/>
-              <a:buFont typeface="Arial"/>
-              <a:buNone/>
-            </a:pPr>
-            <a:fld id="{00000000-1234-1234-1234-123412341234}" type="slidenum">
-              <a:rPr lang="es-ES" sz="1200" b="0" i="0" u="none" strike="noStrike" cap="none">
-                <a:solidFill>
-                  <a:srgbClr val="000000"/>
-                </a:solidFill>
-                <a:latin typeface="Times New Roman"/>
-                <a:ea typeface="Times New Roman"/>
-                <a:cs typeface="Times New Roman"/>
-                <a:sym typeface="Times New Roman"/>
-              </a:rPr>
-              <a:t>3</a:t>
-            </a:fld>
-            <a:endParaRPr sz="1200" b="0" i="0" u="none" strike="noStrike" cap="none">
-              <a:solidFill>
-                <a:srgbClr val="000000"/>
-              </a:solidFill>
-              <a:latin typeface="Times New Roman"/>
-              <a:ea typeface="Times New Roman"/>
-              <a:cs typeface="Times New Roman"/>
-              <a:sym typeface="Times New Roman"/>
-            </a:endParaRPr>
-          </a:p>
-        </p:txBody>
-      </p:sp>
-    </p:spTree>
-  </p:cSld>
-  <p:clrMapOvr>
-    <a:masterClrMapping/>
-  </p:clrMapOvr>
-</p:notes>
-</file>
-
-<file path=ppt/notesSlides/notesSlide4.xml><?xml version="1.0" encoding="utf-8"?>
-<p:notes xmlns:a="http://schemas.openxmlformats.org/drawingml/2006/main" xmlns:r="http://schemas.openxmlformats.org/officeDocument/2006/relationships" xmlns:p="http://schemas.openxmlformats.org/presentationml/2006/main" showMasterSp="0" showMasterPhAnim="0">
-  <p:cSld>
-    <p:spTree>
-      <p:nvGrpSpPr>
-        <p:cNvPr id="1" name="Shape 77"/>
-        <p:cNvGrpSpPr/>
-        <p:nvPr/>
-      </p:nvGrpSpPr>
-      <p:grpSpPr>
-        <a:xfrm>
-          <a:off x="0" y="0"/>
-          <a:ext cx="0" cy="0"/>
-          <a:chOff x="0" y="0"/>
-          <a:chExt cx="0" cy="0"/>
-        </a:xfrm>
-      </p:grpSpPr>
-      <p:sp>
-        <p:nvSpPr>
-          <p:cNvPr id="78" name="Google Shape;78;g9d3fe6be66_0_1:notes"/>
-          <p:cNvSpPr>
-            <a:spLocks noGrp="1" noRot="1" noChangeAspect="1"/>
-          </p:cNvSpPr>
-          <p:nvPr>
-            <p:ph type="sldImg" idx="2"/>
-          </p:nvPr>
-        </p:nvSpPr>
-        <p:spPr>
-          <a:xfrm>
-            <a:off x="685800" y="1143000"/>
-            <a:ext cx="5486400" cy="3086100"/>
-          </a:xfrm>
-          <a:custGeom>
-            <a:avLst/>
-            <a:gdLst/>
-            <a:ahLst/>
-            <a:cxnLst/>
-            <a:rect l="l" t="t" r="r" b="b"/>
-            <a:pathLst>
-              <a:path w="120000" h="120000" extrusionOk="0">
-                <a:moveTo>
-                  <a:pt x="0" y="0"/>
-                </a:moveTo>
-                <a:lnTo>
-                  <a:pt x="120000" y="0"/>
-                </a:lnTo>
-                <a:lnTo>
-                  <a:pt x="120000" y="120000"/>
-                </a:lnTo>
-                <a:lnTo>
-                  <a:pt x="0" y="120000"/>
-                </a:lnTo>
-                <a:close/>
-              </a:path>
-            </a:pathLst>
-          </a:custGeom>
-          <a:noFill/>
-          <a:ln>
-            <a:noFill/>
-          </a:ln>
-        </p:spPr>
-      </p:sp>
-      <p:sp>
-        <p:nvSpPr>
-          <p:cNvPr id="79" name="Google Shape;79;g9d3fe6be66_0_1:notes"/>
-          <p:cNvSpPr txBox="1">
-            <a:spLocks noGrp="1"/>
-          </p:cNvSpPr>
-          <p:nvPr>
-            <p:ph type="body" idx="1"/>
-          </p:nvPr>
-        </p:nvSpPr>
-        <p:spPr>
-          <a:xfrm>
-            <a:off x="685800" y="4400640"/>
-            <a:ext cx="5486100" cy="3600000"/>
-          </a:xfrm>
-          <a:prstGeom prst="rect">
-            <a:avLst/>
-          </a:prstGeom>
-          <a:noFill/>
-          <a:ln>
-            <a:noFill/>
-          </a:ln>
-        </p:spPr>
-        <p:txBody>
-          <a:bodyPr spcFirstLastPara="1" wrap="square" lIns="0" tIns="0" rIns="0" bIns="0" anchor="t" anchorCtr="0">
-            <a:noAutofit/>
-          </a:bodyPr>
-          <a:lstStyle/>
-          <a:p>
-            <a:pPr marL="0" lvl="0" indent="0" algn="l" rtl="0">
-              <a:lnSpc>
-                <a:spcPct val="100000"/>
-              </a:lnSpc>
-              <a:spcBef>
-                <a:spcPts val="0"/>
-              </a:spcBef>
-              <a:spcAft>
-                <a:spcPts val="0"/>
-              </a:spcAft>
-              <a:buSzPts val="1400"/>
-              <a:buNone/>
-            </a:pPr>
-            <a:endParaRPr sz="2000" b="0" strike="noStrike">
-              <a:latin typeface="Arial"/>
-              <a:ea typeface="Arial"/>
-              <a:cs typeface="Arial"/>
-              <a:sym typeface="Arial"/>
-            </a:endParaRPr>
-          </a:p>
-        </p:txBody>
-      </p:sp>
-      <p:sp>
-        <p:nvSpPr>
-          <p:cNvPr id="80" name="Google Shape;80;g9d3fe6be66_0_1:notes"/>
-          <p:cNvSpPr txBox="1"/>
-          <p:nvPr/>
-        </p:nvSpPr>
-        <p:spPr>
-          <a:xfrm>
-            <a:off x="3884760" y="8685360"/>
-            <a:ext cx="2971500" cy="458400"/>
           </a:xfrm>
           <a:prstGeom prst="rect">
             <a:avLst/>
@@ -2633,6 +2642,193 @@
         </p:txBody>
       </p:sp>
     </p:spTree>
+  </p:cSld>
+  <p:clrMapOvr>
+    <a:masterClrMapping/>
+  </p:clrMapOvr>
+</p:notes>
+</file>
+
+<file path=ppt/notesSlides/notesSlide6.xml><?xml version="1.0" encoding="utf-8"?>
+<p:notes xmlns:a="http://schemas.openxmlformats.org/drawingml/2006/main" xmlns:r="http://schemas.openxmlformats.org/officeDocument/2006/relationships" xmlns:p="http://schemas.openxmlformats.org/presentationml/2006/main" showMasterSp="0" showMasterPhAnim="0">
+  <p:cSld>
+    <p:spTree>
+      <p:nvGrpSpPr>
+        <p:cNvPr id="1" name="Shape 77"/>
+        <p:cNvGrpSpPr/>
+        <p:nvPr/>
+      </p:nvGrpSpPr>
+      <p:grpSpPr>
+        <a:xfrm>
+          <a:off x="0" y="0"/>
+          <a:ext cx="0" cy="0"/>
+          <a:chOff x="0" y="0"/>
+          <a:chExt cx="0" cy="0"/>
+        </a:xfrm>
+      </p:grpSpPr>
+      <p:sp>
+        <p:nvSpPr>
+          <p:cNvPr id="78" name="Google Shape;78;g9d3fe6be66_0_1:notes"/>
+          <p:cNvSpPr>
+            <a:spLocks noGrp="1" noRot="1" noChangeAspect="1"/>
+          </p:cNvSpPr>
+          <p:nvPr>
+            <p:ph type="sldImg" idx="2"/>
+          </p:nvPr>
+        </p:nvSpPr>
+        <p:spPr>
+          <a:xfrm>
+            <a:off x="685800" y="1143000"/>
+            <a:ext cx="5486400" cy="3086100"/>
+          </a:xfrm>
+          <a:custGeom>
+            <a:avLst/>
+            <a:gdLst/>
+            <a:ahLst/>
+            <a:cxnLst/>
+            <a:rect l="l" t="t" r="r" b="b"/>
+            <a:pathLst>
+              <a:path w="120000" h="120000" extrusionOk="0">
+                <a:moveTo>
+                  <a:pt x="0" y="0"/>
+                </a:moveTo>
+                <a:lnTo>
+                  <a:pt x="120000" y="0"/>
+                </a:lnTo>
+                <a:lnTo>
+                  <a:pt x="120000" y="120000"/>
+                </a:lnTo>
+                <a:lnTo>
+                  <a:pt x="0" y="120000"/>
+                </a:lnTo>
+                <a:close/>
+              </a:path>
+            </a:pathLst>
+          </a:custGeom>
+          <a:noFill/>
+          <a:ln>
+            <a:noFill/>
+          </a:ln>
+        </p:spPr>
+      </p:sp>
+      <p:sp>
+        <p:nvSpPr>
+          <p:cNvPr id="79" name="Google Shape;79;g9d3fe6be66_0_1:notes"/>
+          <p:cNvSpPr txBox="1">
+            <a:spLocks noGrp="1"/>
+          </p:cNvSpPr>
+          <p:nvPr>
+            <p:ph type="body" idx="1"/>
+          </p:nvPr>
+        </p:nvSpPr>
+        <p:spPr>
+          <a:xfrm>
+            <a:off x="685800" y="4400640"/>
+            <a:ext cx="5486100" cy="3600000"/>
+          </a:xfrm>
+          <a:prstGeom prst="rect">
+            <a:avLst/>
+          </a:prstGeom>
+          <a:noFill/>
+          <a:ln>
+            <a:noFill/>
+          </a:ln>
+        </p:spPr>
+        <p:txBody>
+          <a:bodyPr spcFirstLastPara="1" wrap="square" lIns="0" tIns="0" rIns="0" bIns="0" anchor="t" anchorCtr="0">
+            <a:noAutofit/>
+          </a:bodyPr>
+          <a:lstStyle/>
+          <a:p>
+            <a:pPr marL="0" lvl="0" indent="0" algn="l" rtl="0">
+              <a:lnSpc>
+                <a:spcPct val="100000"/>
+              </a:lnSpc>
+              <a:spcBef>
+                <a:spcPts val="0"/>
+              </a:spcBef>
+              <a:spcAft>
+                <a:spcPts val="0"/>
+              </a:spcAft>
+              <a:buSzPts val="1400"/>
+              <a:buNone/>
+            </a:pPr>
+            <a:endParaRPr sz="2000" b="0" strike="noStrike">
+              <a:latin typeface="Arial"/>
+              <a:ea typeface="Arial"/>
+              <a:cs typeface="Arial"/>
+              <a:sym typeface="Arial"/>
+            </a:endParaRPr>
+          </a:p>
+        </p:txBody>
+      </p:sp>
+      <p:sp>
+        <p:nvSpPr>
+          <p:cNvPr id="80" name="Google Shape;80;g9d3fe6be66_0_1:notes"/>
+          <p:cNvSpPr txBox="1"/>
+          <p:nvPr/>
+        </p:nvSpPr>
+        <p:spPr>
+          <a:xfrm>
+            <a:off x="3884760" y="8685360"/>
+            <a:ext cx="2971500" cy="458400"/>
+          </a:xfrm>
+          <a:prstGeom prst="rect">
+            <a:avLst/>
+          </a:prstGeom>
+          <a:noFill/>
+          <a:ln>
+            <a:noFill/>
+          </a:ln>
+        </p:spPr>
+        <p:txBody>
+          <a:bodyPr spcFirstLastPara="1" wrap="square" lIns="91425" tIns="45700" rIns="91425" bIns="45700" anchor="b" anchorCtr="0">
+            <a:noAutofit/>
+          </a:bodyPr>
+          <a:lstStyle/>
+          <a:p>
+            <a:pPr marL="0" marR="0" lvl="0" indent="0" algn="r" rtl="0">
+              <a:lnSpc>
+                <a:spcPct val="100000"/>
+              </a:lnSpc>
+              <a:spcBef>
+                <a:spcPts val="0"/>
+              </a:spcBef>
+              <a:spcAft>
+                <a:spcPts val="0"/>
+              </a:spcAft>
+              <a:buClr>
+                <a:srgbClr val="000000"/>
+              </a:buClr>
+              <a:buSzPts val="1200"/>
+              <a:buFont typeface="Arial"/>
+              <a:buNone/>
+            </a:pPr>
+            <a:fld id="{00000000-1234-1234-1234-123412341234}" type="slidenum">
+              <a:rPr lang="es-ES" sz="1200" b="0" i="0" u="none" strike="noStrike" cap="none">
+                <a:solidFill>
+                  <a:srgbClr val="000000"/>
+                </a:solidFill>
+                <a:latin typeface="Times New Roman"/>
+                <a:ea typeface="Times New Roman"/>
+                <a:cs typeface="Times New Roman"/>
+                <a:sym typeface="Times New Roman"/>
+              </a:rPr>
+              <a:t>6</a:t>
+            </a:fld>
+            <a:endParaRPr sz="1200" b="0" i="0" u="none" strike="noStrike" cap="none">
+              <a:solidFill>
+                <a:srgbClr val="000000"/>
+              </a:solidFill>
+              <a:latin typeface="Times New Roman"/>
+              <a:ea typeface="Times New Roman"/>
+              <a:cs typeface="Times New Roman"/>
+              <a:sym typeface="Times New Roman"/>
+            </a:endParaRPr>
+          </a:p>
+        </p:txBody>
+      </p:sp>
+    </p:spTree>
     <p:extLst>
       <p:ext uri="{BB962C8B-B14F-4D97-AF65-F5344CB8AC3E}">
         <p14:creationId xmlns:p14="http://schemas.microsoft.com/office/powerpoint/2010/main" val="3558352851"/>
@@ -2645,7 +2841,7 @@
 </p:notes>
 </file>
 
-<file path=ppt/notesSlides/notesSlide6.xml><?xml version="1.0" encoding="utf-8"?>
+<file path=ppt/notesSlides/notesSlide7.xml><?xml version="1.0" encoding="utf-8"?>
 <p:notes xmlns:a="http://schemas.openxmlformats.org/drawingml/2006/main" xmlns:r="http://schemas.openxmlformats.org/officeDocument/2006/relationships" xmlns:p="http://schemas.openxmlformats.org/presentationml/2006/main" showMasterSp="0" showMasterPhAnim="0">
   <p:cSld>
     <p:spTree>
@@ -2810,7 +3006,7 @@
                 <a:cs typeface="Times New Roman"/>
                 <a:sym typeface="Times New Roman"/>
               </a:rPr>
-              <a:t>6</a:t>
+              <a:t>7</a:t>
             </a:fld>
             <a:endParaRPr sz="1200" b="0" i="0" u="none" strike="noStrike" cap="none">
               <a:solidFill>
@@ -2832,7 +3028,7 @@
 </p:notes>
 </file>
 
-<file path=ppt/notesSlides/notesSlide7.xml><?xml version="1.0" encoding="utf-8"?>
+<file path=ppt/notesSlides/notesSlide8.xml><?xml version="1.0" encoding="utf-8"?>
 <p:notes xmlns:a="http://schemas.openxmlformats.org/drawingml/2006/main" xmlns:r="http://schemas.openxmlformats.org/officeDocument/2006/relationships" xmlns:p="http://schemas.openxmlformats.org/presentationml/2006/main" showMasterSp="0" showMasterPhAnim="0">
   <p:cSld>
     <p:spTree>
@@ -2997,7 +3193,7 @@
                 <a:cs typeface="Times New Roman"/>
                 <a:sym typeface="Times New Roman"/>
               </a:rPr>
-              <a:t>7</a:t>
+              <a:t>8</a:t>
             </a:fld>
             <a:endParaRPr sz="1200" b="0" i="0" u="none" strike="noStrike" cap="none">
               <a:solidFill>
@@ -3019,7 +3215,7 @@
 </p:notes>
 </file>
 
-<file path=ppt/notesSlides/notesSlide8.xml><?xml version="1.0" encoding="utf-8"?>
+<file path=ppt/notesSlides/notesSlide9.xml><?xml version="1.0" encoding="utf-8"?>
 <p:notes xmlns:a="http://schemas.openxmlformats.org/drawingml/2006/main" xmlns:r="http://schemas.openxmlformats.org/officeDocument/2006/relationships" xmlns:p="http://schemas.openxmlformats.org/presentationml/2006/main" showMasterSp="0" showMasterPhAnim="0">
   <p:cSld>
     <p:spTree>
@@ -3184,7 +3380,7 @@
                 <a:cs typeface="Times New Roman"/>
                 <a:sym typeface="Times New Roman"/>
               </a:rPr>
-              <a:t>8</a:t>
+              <a:t>9</a:t>
             </a:fld>
             <a:endParaRPr sz="1200" b="0" i="0" u="none" strike="noStrike" cap="none">
               <a:solidFill>
@@ -11755,6 +11951,211 @@
           <a:chExt cx="0" cy="0"/>
         </a:xfrm>
       </p:grpSpPr>
+      <p:sp>
+        <p:nvSpPr>
+          <p:cNvPr id="4" name="Google Shape;365;p20">
+            <a:extLst>
+              <a:ext uri="{FF2B5EF4-FFF2-40B4-BE49-F238E27FC236}">
+                <a16:creationId xmlns:a16="http://schemas.microsoft.com/office/drawing/2014/main" id="{6FD84917-FBE8-464E-A768-AC91FD601AB5}"/>
+              </a:ext>
+            </a:extLst>
+          </p:cNvPr>
+          <p:cNvSpPr txBox="1"/>
+          <p:nvPr/>
+        </p:nvSpPr>
+        <p:spPr>
+          <a:xfrm>
+            <a:off x="4019233" y="1487143"/>
+            <a:ext cx="1358283" cy="369332"/>
+          </a:xfrm>
+          <a:prstGeom prst="rect">
+            <a:avLst/>
+          </a:prstGeom>
+          <a:noFill/>
+          <a:ln>
+            <a:noFill/>
+          </a:ln>
+        </p:spPr>
+        <p:txBody>
+          <a:bodyPr spcFirstLastPara="1" wrap="square" lIns="91425" tIns="45700" rIns="91425" bIns="45700" anchor="t" anchorCtr="0">
+            <a:spAutoFit/>
+          </a:bodyPr>
+          <a:lstStyle/>
+          <a:p>
+            <a:pPr marL="0" marR="0" lvl="0" indent="0" algn="l" rtl="0">
+              <a:spcBef>
+                <a:spcPts val="0"/>
+              </a:spcBef>
+              <a:spcAft>
+                <a:spcPts val="0"/>
+              </a:spcAft>
+              <a:buNone/>
+            </a:pPr>
+            <a:r>
+              <a:rPr lang="es-ES" sz="1800" dirty="0" err="1">
+                <a:solidFill>
+                  <a:schemeClr val="lt1"/>
+                </a:solidFill>
+                <a:latin typeface="Calibri"/>
+                <a:ea typeface="Calibri"/>
+                <a:cs typeface="Calibri"/>
+                <a:sym typeface="Calibri"/>
+              </a:rPr>
+              <a:t>Underfitting</a:t>
+            </a:r>
+            <a:endParaRPr sz="1800" dirty="0">
+              <a:solidFill>
+                <a:schemeClr val="lt1"/>
+              </a:solidFill>
+              <a:latin typeface="Calibri"/>
+              <a:ea typeface="Calibri"/>
+              <a:cs typeface="Calibri"/>
+              <a:sym typeface="Calibri"/>
+            </a:endParaRPr>
+          </a:p>
+        </p:txBody>
+      </p:sp>
+      <p:sp>
+        <p:nvSpPr>
+          <p:cNvPr id="5" name="Google Shape;366;p20">
+            <a:extLst>
+              <a:ext uri="{FF2B5EF4-FFF2-40B4-BE49-F238E27FC236}">
+                <a16:creationId xmlns:a16="http://schemas.microsoft.com/office/drawing/2014/main" id="{31FEF5CF-2574-48E1-B1FD-A4B3BD7BCF6E}"/>
+              </a:ext>
+            </a:extLst>
+          </p:cNvPr>
+          <p:cNvSpPr txBox="1"/>
+          <p:nvPr/>
+        </p:nvSpPr>
+        <p:spPr>
+          <a:xfrm>
+            <a:off x="6203140" y="1487143"/>
+            <a:ext cx="1358283" cy="369332"/>
+          </a:xfrm>
+          <a:prstGeom prst="rect">
+            <a:avLst/>
+          </a:prstGeom>
+          <a:noFill/>
+          <a:ln>
+            <a:noFill/>
+          </a:ln>
+        </p:spPr>
+        <p:txBody>
+          <a:bodyPr spcFirstLastPara="1" wrap="square" lIns="91425" tIns="45700" rIns="91425" bIns="45700" anchor="t" anchorCtr="0">
+            <a:spAutoFit/>
+          </a:bodyPr>
+          <a:lstStyle/>
+          <a:p>
+            <a:pPr marL="0" marR="0" lvl="0" indent="0" algn="l" rtl="0">
+              <a:spcBef>
+                <a:spcPts val="0"/>
+              </a:spcBef>
+              <a:spcAft>
+                <a:spcPts val="0"/>
+              </a:spcAft>
+              <a:buNone/>
+            </a:pPr>
+            <a:r>
+              <a:rPr lang="es-ES" sz="1800">
+                <a:solidFill>
+                  <a:schemeClr val="lt1"/>
+                </a:solidFill>
+                <a:latin typeface="Calibri"/>
+                <a:ea typeface="Calibri"/>
+                <a:cs typeface="Calibri"/>
+                <a:sym typeface="Calibri"/>
+              </a:rPr>
+              <a:t>Overfitting</a:t>
+            </a:r>
+            <a:endParaRPr sz="1800">
+              <a:solidFill>
+                <a:schemeClr val="lt1"/>
+              </a:solidFill>
+              <a:latin typeface="Calibri"/>
+              <a:ea typeface="Calibri"/>
+              <a:cs typeface="Calibri"/>
+              <a:sym typeface="Calibri"/>
+            </a:endParaRPr>
+          </a:p>
+        </p:txBody>
+      </p:sp>
+      <p:pic>
+        <p:nvPicPr>
+          <p:cNvPr id="2050" name="Picture 2">
+            <a:extLst>
+              <a:ext uri="{FF2B5EF4-FFF2-40B4-BE49-F238E27FC236}">
+                <a16:creationId xmlns:a16="http://schemas.microsoft.com/office/drawing/2014/main" id="{F30B4E2B-CA5F-4079-89F2-2EB53B82E033}"/>
+              </a:ext>
+            </a:extLst>
+          </p:cNvPr>
+          <p:cNvPicPr>
+            <a:picLocks noChangeAspect="1" noChangeArrowheads="1"/>
+          </p:cNvPicPr>
+          <p:nvPr/>
+        </p:nvPicPr>
+        <p:blipFill>
+          <a:blip r:embed="rId3">
+            <a:extLst>
+              <a:ext uri="{28A0092B-C50C-407E-A947-70E740481C1C}">
+                <a14:useLocalDpi xmlns:a14="http://schemas.microsoft.com/office/drawing/2010/main" val="0"/>
+              </a:ext>
+            </a:extLst>
+          </a:blip>
+          <a:srcRect/>
+          <a:stretch>
+            <a:fillRect/>
+          </a:stretch>
+        </p:blipFill>
+        <p:spPr bwMode="auto">
+          <a:xfrm>
+            <a:off x="1928813" y="1981200"/>
+            <a:ext cx="8334375" cy="2895600"/>
+          </a:xfrm>
+          <a:prstGeom prst="rect">
+            <a:avLst/>
+          </a:prstGeom>
+          <a:noFill/>
+          <a:extLst>
+            <a:ext uri="{909E8E84-426E-40DD-AFC4-6F175D3DCCD1}">
+              <a14:hiddenFill xmlns:a14="http://schemas.microsoft.com/office/drawing/2010/main">
+                <a:solidFill>
+                  <a:srgbClr val="FFFFFF"/>
+                </a:solidFill>
+              </a14:hiddenFill>
+            </a:ext>
+          </a:extLst>
+        </p:spPr>
+      </p:pic>
+    </p:spTree>
+    <p:extLst>
+      <p:ext uri="{BB962C8B-B14F-4D97-AF65-F5344CB8AC3E}">
+        <p14:creationId xmlns:p14="http://schemas.microsoft.com/office/powerpoint/2010/main" val="1756848420"/>
+      </p:ext>
+    </p:extLst>
+  </p:cSld>
+  <p:clrMapOvr>
+    <a:masterClrMapping/>
+  </p:clrMapOvr>
+</p:sld>
+</file>
+
+<file path=ppt/slides/slide3.xml><?xml version="1.0" encoding="utf-8"?>
+<p:sld xmlns:a="http://schemas.openxmlformats.org/drawingml/2006/main" xmlns:r="http://schemas.openxmlformats.org/officeDocument/2006/relationships" xmlns:p="http://schemas.openxmlformats.org/presentationml/2006/main">
+  <p:cSld>
+    <p:spTree>
+      <p:nvGrpSpPr>
+        <p:cNvPr id="1" name="Shape 68"/>
+        <p:cNvGrpSpPr/>
+        <p:nvPr/>
+      </p:nvGrpSpPr>
+      <p:grpSpPr>
+        <a:xfrm>
+          <a:off x="0" y="0"/>
+          <a:ext cx="0" cy="0"/>
+          <a:chOff x="0" y="0"/>
+          <a:chExt cx="0" cy="0"/>
+        </a:xfrm>
+      </p:grpSpPr>
       <p:pic>
         <p:nvPicPr>
           <p:cNvPr id="3" name="Google Shape;363;p20" descr="Azure Machine Learning] La dicotomía Varianza-sesgo (Bias-Variance ...">
@@ -11829,7 +12230,7 @@
               <a:buNone/>
             </a:pPr>
             <a:r>
-              <a:rPr lang="es-ES" sz="1800">
+              <a:rPr lang="es-ES" sz="1800" dirty="0" err="1">
                 <a:solidFill>
                   <a:schemeClr val="lt1"/>
                 </a:solidFill>
@@ -11840,7 +12241,7 @@
               </a:rPr>
               <a:t>Underfitting</a:t>
             </a:r>
-            <a:endParaRPr sz="1800">
+            <a:endParaRPr sz="1800" dirty="0">
               <a:solidFill>
                 <a:schemeClr val="lt1"/>
               </a:solidFill>
@@ -11929,7 +12330,7 @@
 </p:sld>
 </file>
 
-<file path=ppt/slides/slide3.xml><?xml version="1.0" encoding="utf-8"?>
+<file path=ppt/slides/slide4.xml><?xml version="1.0" encoding="utf-8"?>
 <p:sld xmlns:a="http://schemas.openxmlformats.org/drawingml/2006/main" xmlns:r="http://schemas.openxmlformats.org/officeDocument/2006/relationships" xmlns:p="http://schemas.openxmlformats.org/presentationml/2006/main">
   <p:cSld>
     <p:spTree>
@@ -12442,7 +12843,7 @@
 </p:sld>
 </file>
 
-<file path=ppt/slides/slide4.xml><?xml version="1.0" encoding="utf-8"?>
+<file path=ppt/slides/slide5.xml><?xml version="1.0" encoding="utf-8"?>
 <p:sld xmlns:a="http://schemas.openxmlformats.org/drawingml/2006/main" xmlns:r="http://schemas.openxmlformats.org/officeDocument/2006/relationships" xmlns:p="http://schemas.openxmlformats.org/presentationml/2006/main">
   <p:cSld>
     <p:spTree>
@@ -13092,7 +13493,7 @@
 </p:sld>
 </file>
 
-<file path=ppt/slides/slide5.xml><?xml version="1.0" encoding="utf-8"?>
+<file path=ppt/slides/slide6.xml><?xml version="1.0" encoding="utf-8"?>
 <p:sld xmlns:a="http://schemas.openxmlformats.org/drawingml/2006/main" xmlns:r="http://schemas.openxmlformats.org/officeDocument/2006/relationships" xmlns:p="http://schemas.openxmlformats.org/presentationml/2006/main">
   <p:cSld>
     <p:spTree>
@@ -13272,7 +13673,7 @@
 </p:sld>
 </file>
 
-<file path=ppt/slides/slide6.xml><?xml version="1.0" encoding="utf-8"?>
+<file path=ppt/slides/slide7.xml><?xml version="1.0" encoding="utf-8"?>
 <p:sld xmlns:a="http://schemas.openxmlformats.org/drawingml/2006/main" xmlns:r="http://schemas.openxmlformats.org/officeDocument/2006/relationships" xmlns:p="http://schemas.openxmlformats.org/presentationml/2006/main">
   <p:cSld>
     <p:spTree>
@@ -13738,7 +14139,7 @@
 </p:sld>
 </file>
 
-<file path=ppt/slides/slide7.xml><?xml version="1.0" encoding="utf-8"?>
+<file path=ppt/slides/slide8.xml><?xml version="1.0" encoding="utf-8"?>
 <p:sld xmlns:a="http://schemas.openxmlformats.org/drawingml/2006/main" xmlns:r="http://schemas.openxmlformats.org/officeDocument/2006/relationships" xmlns:p="http://schemas.openxmlformats.org/presentationml/2006/main">
   <p:cSld>
     <p:spTree>
@@ -14344,7 +14745,7 @@
 </p:sld>
 </file>
 
-<file path=ppt/slides/slide8.xml><?xml version="1.0" encoding="utf-8"?>
+<file path=ppt/slides/slide9.xml><?xml version="1.0" encoding="utf-8"?>
 <p:sld xmlns:a="http://schemas.openxmlformats.org/drawingml/2006/main" xmlns:r="http://schemas.openxmlformats.org/officeDocument/2006/relationships" xmlns:p="http://schemas.openxmlformats.org/presentationml/2006/main">
   <p:cSld>
     <p:spTree>
